--- a/Talapaneni530Week12_Term_Project.pptx
+++ b/Talapaneni530Week12_Term_Project.pptx
@@ -3007,7 +3007,7 @@
         <p:spPr>
           <a:xfrm>
             <a:off x="4495800" y="2418588"/>
-            <a:ext cx="7273619" cy="505267"/>
+            <a:ext cx="7273619" cy="997709"/>
           </a:xfrm>
           <a:prstGeom prst="rect">
             <a:avLst/>
@@ -3051,7 +3051,31 @@
                 <a:latin typeface="Calibri"/>
                 <a:cs typeface="Calibri"/>
               </a:rPr>
-              <a:t>Customer Churn in Banking</a:t>
+              <a:t>Customer Churn in </a:t>
+            </a:r>
+            <a:r>
+              <a:rPr kumimoji="0" lang="en-US" sz="3200" b="1" i="0" u="none" strike="noStrike" kern="0" cap="none" spc="0" normalizeH="0" baseline="0" noProof="0">
+                <a:ln>
+                  <a:noFill/>
+                </a:ln>
+                <a:solidFill>
+                  <a:srgbClr val="FFFFFF"/>
+                </a:solidFill>
+                <a:effectLst/>
+                <a:uLnTx/>
+                <a:uFillTx/>
+                <a:latin typeface="Calibri"/>
+                <a:cs typeface="Calibri"/>
+              </a:rPr>
+              <a:t>Banking - Exploratory</a:t>
+            </a:r>
+            <a:r>
+              <a:rPr lang="en-US" sz="3200" dirty="0">
+                <a:solidFill>
+                  <a:srgbClr val="FFFFFF"/>
+                </a:solidFill>
+              </a:rPr>
+              <a:t> Data Analysis</a:t>
             </a:r>
             <a:endParaRPr lang="en-US" sz="3200" dirty="0"/>
           </a:p>
